--- a/Sprint 1/Marketing Campaign Guidance 6th March 1437.pptx
+++ b/Sprint 1/Marketing Campaign Guidance 6th March 1437.pptx
@@ -5870,6 +5870,18 @@
   <p:clrMapOvr>
     <a:masterClrMapping/>
   </p:clrMapOvr>
+  <mc:AlternateContent xmlns:mc="http://schemas.openxmlformats.org/markup-compatibility/2006">
+    <mc:Choice xmlns:p159="http://schemas.microsoft.com/office/powerpoint/2015/09/main" Requires="p159">
+      <p:transition xmlns:p14="http://schemas.microsoft.com/office/powerpoint/2010/main" spd="slow" p14:dur="2000">
+        <p159:morph option="byObject"/>
+      </p:transition>
+    </mc:Choice>
+    <mc:Fallback>
+      <p:transition spd="slow">
+        <p:fade/>
+      </p:transition>
+    </mc:Fallback>
+  </mc:AlternateContent>
 </p:sld>
 </file>
 
@@ -6013,6 +6025,18 @@
   <p:clrMapOvr>
     <a:masterClrMapping/>
   </p:clrMapOvr>
+  <mc:AlternateContent xmlns:mc="http://schemas.openxmlformats.org/markup-compatibility/2006">
+    <mc:Choice xmlns:p159="http://schemas.microsoft.com/office/powerpoint/2015/09/main" Requires="p159">
+      <p:transition xmlns:p14="http://schemas.microsoft.com/office/powerpoint/2010/main" spd="slow" p14:dur="2000">
+        <p159:morph option="byObject"/>
+      </p:transition>
+    </mc:Choice>
+    <mc:Fallback>
+      <p:transition spd="slow">
+        <p:fade/>
+      </p:transition>
+    </mc:Fallback>
+  </mc:AlternateContent>
 </p:sld>
 </file>
 
@@ -6144,6 +6168,18 @@
   <p:clrMapOvr>
     <a:masterClrMapping/>
   </p:clrMapOvr>
+  <mc:AlternateContent xmlns:mc="http://schemas.openxmlformats.org/markup-compatibility/2006">
+    <mc:Choice xmlns:p159="http://schemas.microsoft.com/office/powerpoint/2015/09/main" Requires="p159">
+      <p:transition xmlns:p14="http://schemas.microsoft.com/office/powerpoint/2010/main" spd="slow" p14:dur="2000">
+        <p159:morph option="byObject"/>
+      </p:transition>
+    </mc:Choice>
+    <mc:Fallback>
+      <p:transition spd="slow">
+        <p:fade/>
+      </p:transition>
+    </mc:Fallback>
+  </mc:AlternateContent>
 </p:sld>
 </file>
 
@@ -6348,6 +6384,18 @@
   <p:clrMapOvr>
     <a:masterClrMapping/>
   </p:clrMapOvr>
+  <mc:AlternateContent xmlns:mc="http://schemas.openxmlformats.org/markup-compatibility/2006">
+    <mc:Choice xmlns:p159="http://schemas.microsoft.com/office/powerpoint/2015/09/main" Requires="p159">
+      <p:transition xmlns:p14="http://schemas.microsoft.com/office/powerpoint/2010/main" spd="slow" p14:dur="2000">
+        <p159:morph option="byObject"/>
+      </p:transition>
+    </mc:Choice>
+    <mc:Fallback>
+      <p:transition spd="slow">
+        <p:fade/>
+      </p:transition>
+    </mc:Fallback>
+  </mc:AlternateContent>
 </p:sld>
 </file>
 
@@ -6557,6 +6605,18 @@
   <p:clrMapOvr>
     <a:masterClrMapping/>
   </p:clrMapOvr>
+  <mc:AlternateContent xmlns:mc="http://schemas.openxmlformats.org/markup-compatibility/2006">
+    <mc:Choice xmlns:p159="http://schemas.microsoft.com/office/powerpoint/2015/09/main" Requires="p159">
+      <p:transition xmlns:p14="http://schemas.microsoft.com/office/powerpoint/2010/main" spd="slow" p14:dur="2000">
+        <p159:morph option="byObject"/>
+      </p:transition>
+    </mc:Choice>
+    <mc:Fallback>
+      <p:transition spd="slow">
+        <p:fade/>
+      </p:transition>
+    </mc:Fallback>
+  </mc:AlternateContent>
 </p:sld>
 </file>
 
@@ -6715,6 +6775,18 @@
   <p:clrMapOvr>
     <a:masterClrMapping/>
   </p:clrMapOvr>
+  <mc:AlternateContent xmlns:mc="http://schemas.openxmlformats.org/markup-compatibility/2006">
+    <mc:Choice xmlns:p159="http://schemas.microsoft.com/office/powerpoint/2015/09/main" Requires="p159">
+      <p:transition xmlns:p14="http://schemas.microsoft.com/office/powerpoint/2010/main" spd="slow" p14:dur="2000">
+        <p159:morph option="byObject"/>
+      </p:transition>
+    </mc:Choice>
+    <mc:Fallback>
+      <p:transition spd="slow">
+        <p:fade/>
+      </p:transition>
+    </mc:Fallback>
+  </mc:AlternateContent>
 </p:sld>
 </file>
 
@@ -6780,7 +6852,7 @@
         <p:spPr>
           <a:xfrm>
             <a:off x="956930" y="478465"/>
-            <a:ext cx="8102010" cy="2369880"/>
+            <a:ext cx="8102010" cy="2893100"/>
           </a:xfrm>
           <a:prstGeom prst="rect">
             <a:avLst/>
@@ -6808,10 +6880,16 @@
             </a:r>
           </a:p>
           <a:p>
+            <a:endParaRPr lang="en-GB" sz="1700" dirty="0"/>
+          </a:p>
+          <a:p>
             <a:r>
               <a:rPr lang="en-GB" sz="1700" dirty="0"/>
               <a:t>This enables the user to hone in on any of the several possible variations in the data input to see how this impacts the results.</a:t>
             </a:r>
+          </a:p>
+          <a:p>
+            <a:endParaRPr lang="en-GB" sz="1700" dirty="0"/>
           </a:p>
           <a:p>
             <a:r>
@@ -6831,6 +6909,18 @@
   <p:clrMapOvr>
     <a:masterClrMapping/>
   </p:clrMapOvr>
+  <mc:AlternateContent xmlns:mc="http://schemas.openxmlformats.org/markup-compatibility/2006">
+    <mc:Choice xmlns:p159="http://schemas.microsoft.com/office/powerpoint/2015/09/main" Requires="p159">
+      <p:transition xmlns:p14="http://schemas.microsoft.com/office/powerpoint/2010/main" spd="slow" p14:dur="2000">
+        <p159:morph option="byObject"/>
+      </p:transition>
+    </mc:Choice>
+    <mc:Fallback>
+      <p:transition spd="slow">
+        <p:fade/>
+      </p:transition>
+    </mc:Fallback>
+  </mc:AlternateContent>
 </p:sld>
 </file>
 
@@ -6953,6 +7043,18 @@
   <p:clrMapOvr>
     <a:masterClrMapping/>
   </p:clrMapOvr>
+  <mc:AlternateContent xmlns:mc="http://schemas.openxmlformats.org/markup-compatibility/2006">
+    <mc:Choice xmlns:p159="http://schemas.microsoft.com/office/powerpoint/2015/09/main" Requires="p159">
+      <p:transition xmlns:p14="http://schemas.microsoft.com/office/powerpoint/2010/main" spd="slow" p14:dur="2000">
+        <p159:morph option="byObject"/>
+      </p:transition>
+    </mc:Choice>
+    <mc:Fallback>
+      <p:transition spd="slow">
+        <p:fade/>
+      </p:transition>
+    </mc:Fallback>
+  </mc:AlternateContent>
 </p:sld>
 </file>
 
@@ -7018,7 +7120,7 @@
         <p:spPr>
           <a:xfrm>
             <a:off x="956930" y="478465"/>
-            <a:ext cx="8102010" cy="1846659"/>
+            <a:ext cx="8102010" cy="2108269"/>
           </a:xfrm>
           <a:prstGeom prst="rect">
             <a:avLst/>
@@ -7052,6 +7154,43 @@
             <a:r>
               <a:rPr lang="en-GB" sz="1700" dirty="0"/>
               <a:t>No other sources of data have been used in the compilation of this guide.</a:t>
+            </a:r>
+          </a:p>
+          <a:p>
+            <a:endParaRPr lang="en-GB" sz="1700" dirty="0"/>
+          </a:p>
+        </p:txBody>
+      </p:sp>
+      <p:sp>
+        <p:nvSpPr>
+          <p:cNvPr id="4" name="Rectangle 3">
+            <a:extLst>
+              <a:ext uri="{FF2B5EF4-FFF2-40B4-BE49-F238E27FC236}">
+                <a16:creationId xmlns:a16="http://schemas.microsoft.com/office/drawing/2014/main" id="{E5BCB9C4-847B-4FE5-9863-DBF2A2E82FEF}"/>
+              </a:ext>
+            </a:extLst>
+          </p:cNvPr>
+          <p:cNvSpPr/>
+          <p:nvPr/>
+        </p:nvSpPr>
+        <p:spPr>
+          <a:xfrm>
+            <a:off x="783370" y="5926516"/>
+            <a:ext cx="1337226" cy="230832"/>
+          </a:xfrm>
+          <a:prstGeom prst="rect">
+            <a:avLst/>
+          </a:prstGeom>
+        </p:spPr>
+        <p:txBody>
+          <a:bodyPr wrap="none">
+            <a:spAutoFit/>
+          </a:bodyPr>
+          <a:lstStyle/>
+          <a:p>
+            <a:r>
+              <a:rPr lang="en-GB" sz="900" dirty="0"/>
+              <a:t>© A Boyne March 2024</a:t>
             </a:r>
           </a:p>
         </p:txBody>
@@ -7066,6 +7205,18 @@
   <p:clrMapOvr>
     <a:masterClrMapping/>
   </p:clrMapOvr>
+  <mc:AlternateContent xmlns:mc="http://schemas.openxmlformats.org/markup-compatibility/2006">
+    <mc:Choice xmlns:p159="http://schemas.microsoft.com/office/powerpoint/2015/09/main" Requires="p159">
+      <p:transition xmlns:p14="http://schemas.microsoft.com/office/powerpoint/2010/main" spd="slow" p14:dur="2000">
+        <p159:morph option="byObject"/>
+      </p:transition>
+    </mc:Choice>
+    <mc:Fallback>
+      <p:transition spd="slow">
+        <p:fade/>
+      </p:transition>
+    </mc:Fallback>
+  </mc:AlternateContent>
 </p:sld>
 </file>
 
